--- a/Crumbs.pptx
+++ b/Crumbs.pptx
@@ -216,7 +216,7 @@
           <a:p>
             <a:fld id="{C098DEC9-F28E-490C-8688-2DDE9726B96D}" type="datetimeFigureOut">
               <a:rPr lang="en-US" smtClean="0"/>
-              <a:t>6/29/2018</a:t>
+              <a:t>6/30/2018</a:t>
             </a:fld>
             <a:endParaRPr lang="en-US"/>
           </a:p>
@@ -614,7 +614,7 @@
           <a:p>
             <a:fld id="{6A4AF5F2-8E9F-4A4C-8B49-450F53D80A52}" type="datetimeFigureOut">
               <a:rPr lang="en-US" smtClean="0"/>
-              <a:t>6/29/2018</a:t>
+              <a:t>6/30/2018</a:t>
             </a:fld>
             <a:endParaRPr lang="en-US"/>
           </a:p>
@@ -784,7 +784,7 @@
           <a:p>
             <a:fld id="{6A4AF5F2-8E9F-4A4C-8B49-450F53D80A52}" type="datetimeFigureOut">
               <a:rPr lang="en-US" smtClean="0"/>
-              <a:t>6/29/2018</a:t>
+              <a:t>6/30/2018</a:t>
             </a:fld>
             <a:endParaRPr lang="en-US"/>
           </a:p>
@@ -964,7 +964,7 @@
           <a:p>
             <a:fld id="{6A4AF5F2-8E9F-4A4C-8B49-450F53D80A52}" type="datetimeFigureOut">
               <a:rPr lang="en-US" smtClean="0"/>
-              <a:t>6/29/2018</a:t>
+              <a:t>6/30/2018</a:t>
             </a:fld>
             <a:endParaRPr lang="en-US"/>
           </a:p>
@@ -1132,7 +1132,7 @@
           <a:p>
             <a:fld id="{6A4AF5F2-8E9F-4A4C-8B49-450F53D80A52}" type="datetimeFigureOut">
               <a:rPr lang="en-US" smtClean="0"/>
-              <a:t>6/29/2018</a:t>
+              <a:t>6/30/2018</a:t>
             </a:fld>
             <a:endParaRPr lang="en-US"/>
           </a:p>
@@ -1793,7 +1793,7 @@
           <a:p>
             <a:fld id="{6A4AF5F2-8E9F-4A4C-8B49-450F53D80A52}" type="datetimeFigureOut">
               <a:rPr lang="en-US" smtClean="0"/>
-              <a:t>6/29/2018</a:t>
+              <a:t>6/30/2018</a:t>
             </a:fld>
             <a:endParaRPr lang="en-US"/>
           </a:p>
@@ -2025,7 +2025,7 @@
           <a:p>
             <a:fld id="{6A4AF5F2-8E9F-4A4C-8B49-450F53D80A52}" type="datetimeFigureOut">
               <a:rPr lang="en-US" smtClean="0"/>
-              <a:t>6/29/2018</a:t>
+              <a:t>6/30/2018</a:t>
             </a:fld>
             <a:endParaRPr lang="en-US"/>
           </a:p>
@@ -2392,7 +2392,7 @@
           <a:p>
             <a:fld id="{6A4AF5F2-8E9F-4A4C-8B49-450F53D80A52}" type="datetimeFigureOut">
               <a:rPr lang="en-US" smtClean="0"/>
-              <a:t>6/29/2018</a:t>
+              <a:t>6/30/2018</a:t>
             </a:fld>
             <a:endParaRPr lang="en-US"/>
           </a:p>
@@ -2510,7 +2510,7 @@
           <a:p>
             <a:fld id="{6A4AF5F2-8E9F-4A4C-8B49-450F53D80A52}" type="datetimeFigureOut">
               <a:rPr lang="en-US" smtClean="0"/>
-              <a:t>6/29/2018</a:t>
+              <a:t>6/30/2018</a:t>
             </a:fld>
             <a:endParaRPr lang="en-US"/>
           </a:p>
@@ -2605,7 +2605,7 @@
           <a:p>
             <a:fld id="{6A4AF5F2-8E9F-4A4C-8B49-450F53D80A52}" type="datetimeFigureOut">
               <a:rPr lang="en-US" smtClean="0"/>
-              <a:t>6/29/2018</a:t>
+              <a:t>6/30/2018</a:t>
             </a:fld>
             <a:endParaRPr lang="en-US"/>
           </a:p>
@@ -2882,7 +2882,7 @@
           <a:p>
             <a:fld id="{6A4AF5F2-8E9F-4A4C-8B49-450F53D80A52}" type="datetimeFigureOut">
               <a:rPr lang="en-US" smtClean="0"/>
-              <a:t>6/29/2018</a:t>
+              <a:t>6/30/2018</a:t>
             </a:fld>
             <a:endParaRPr lang="en-US"/>
           </a:p>
@@ -3139,7 +3139,7 @@
           <a:p>
             <a:fld id="{6A4AF5F2-8E9F-4A4C-8B49-450F53D80A52}" type="datetimeFigureOut">
               <a:rPr lang="en-US" smtClean="0"/>
-              <a:t>6/29/2018</a:t>
+              <a:t>6/30/2018</a:t>
             </a:fld>
             <a:endParaRPr lang="en-US"/>
           </a:p>
@@ -3352,7 +3352,7 @@
           <a:p>
             <a:fld id="{6A4AF5F2-8E9F-4A4C-8B49-450F53D80A52}" type="datetimeFigureOut">
               <a:rPr lang="en-US" smtClean="0"/>
-              <a:t>6/29/2018</a:t>
+              <a:t>6/30/2018</a:t>
             </a:fld>
             <a:endParaRPr lang="en-US"/>
           </a:p>
@@ -5334,6 +5334,42 @@
           <a:xfrm>
             <a:off x="7659756" y="168782"/>
             <a:ext cx="1484244" cy="952280"/>
+          </a:xfrm>
+          <a:prstGeom prst="rect">
+            <a:avLst/>
+          </a:prstGeom>
+        </p:spPr>
+      </p:pic>
+      <p:pic>
+        <p:nvPicPr>
+          <p:cNvPr id="34" name="Picture 33">
+            <a:extLst>
+              <a:ext uri="{FF2B5EF4-FFF2-40B4-BE49-F238E27FC236}">
+                <a16:creationId xmlns:a16="http://schemas.microsoft.com/office/drawing/2014/main" id="{A48FD4E6-518F-4F7D-86B7-9473636F0772}"/>
+              </a:ext>
+            </a:extLst>
+          </p:cNvPr>
+          <p:cNvPicPr>
+            <a:picLocks noChangeAspect="1"/>
+          </p:cNvPicPr>
+          <p:nvPr/>
+        </p:nvPicPr>
+        <p:blipFill>
+          <a:blip r:embed="rId12" cstate="print">
+            <a:extLst>
+              <a:ext uri="{28A0092B-C50C-407E-A947-70E740481C1C}">
+                <a14:useLocalDpi xmlns:a14="http://schemas.microsoft.com/office/drawing/2010/main" val="0"/>
+              </a:ext>
+            </a:extLst>
+          </a:blip>
+          <a:stretch>
+            <a:fillRect/>
+          </a:stretch>
+        </p:blipFill>
+        <p:spPr>
+          <a:xfrm>
+            <a:off x="4319769" y="4424380"/>
+            <a:ext cx="742616" cy="454175"/>
           </a:xfrm>
           <a:prstGeom prst="rect">
             <a:avLst/>

--- a/Crumbs.pptx
+++ b/Crumbs.pptx
@@ -216,7 +216,7 @@
           <a:p>
             <a:fld id="{C098DEC9-F28E-490C-8688-2DDE9726B96D}" type="datetimeFigureOut">
               <a:rPr lang="en-US" smtClean="0"/>
-              <a:t>6/30/2018</a:t>
+              <a:t>7/21/2018</a:t>
             </a:fld>
             <a:endParaRPr lang="en-US"/>
           </a:p>
@@ -614,7 +614,7 @@
           <a:p>
             <a:fld id="{6A4AF5F2-8E9F-4A4C-8B49-450F53D80A52}" type="datetimeFigureOut">
               <a:rPr lang="en-US" smtClean="0"/>
-              <a:t>6/30/2018</a:t>
+              <a:t>7/21/2018</a:t>
             </a:fld>
             <a:endParaRPr lang="en-US"/>
           </a:p>
@@ -784,7 +784,7 @@
           <a:p>
             <a:fld id="{6A4AF5F2-8E9F-4A4C-8B49-450F53D80A52}" type="datetimeFigureOut">
               <a:rPr lang="en-US" smtClean="0"/>
-              <a:t>6/30/2018</a:t>
+              <a:t>7/21/2018</a:t>
             </a:fld>
             <a:endParaRPr lang="en-US"/>
           </a:p>
@@ -964,7 +964,7 @@
           <a:p>
             <a:fld id="{6A4AF5F2-8E9F-4A4C-8B49-450F53D80A52}" type="datetimeFigureOut">
               <a:rPr lang="en-US" smtClean="0"/>
-              <a:t>6/30/2018</a:t>
+              <a:t>7/21/2018</a:t>
             </a:fld>
             <a:endParaRPr lang="en-US"/>
           </a:p>
@@ -1132,7 +1132,7 @@
           <a:p>
             <a:fld id="{6A4AF5F2-8E9F-4A4C-8B49-450F53D80A52}" type="datetimeFigureOut">
               <a:rPr lang="en-US" smtClean="0"/>
-              <a:t>6/30/2018</a:t>
+              <a:t>7/21/2018</a:t>
             </a:fld>
             <a:endParaRPr lang="en-US"/>
           </a:p>
@@ -1793,7 +1793,7 @@
           <a:p>
             <a:fld id="{6A4AF5F2-8E9F-4A4C-8B49-450F53D80A52}" type="datetimeFigureOut">
               <a:rPr lang="en-US" smtClean="0"/>
-              <a:t>6/30/2018</a:t>
+              <a:t>7/21/2018</a:t>
             </a:fld>
             <a:endParaRPr lang="en-US"/>
           </a:p>
@@ -2025,7 +2025,7 @@
           <a:p>
             <a:fld id="{6A4AF5F2-8E9F-4A4C-8B49-450F53D80A52}" type="datetimeFigureOut">
               <a:rPr lang="en-US" smtClean="0"/>
-              <a:t>6/30/2018</a:t>
+              <a:t>7/21/2018</a:t>
             </a:fld>
             <a:endParaRPr lang="en-US"/>
           </a:p>
@@ -2392,7 +2392,7 @@
           <a:p>
             <a:fld id="{6A4AF5F2-8E9F-4A4C-8B49-450F53D80A52}" type="datetimeFigureOut">
               <a:rPr lang="en-US" smtClean="0"/>
-              <a:t>6/30/2018</a:t>
+              <a:t>7/21/2018</a:t>
             </a:fld>
             <a:endParaRPr lang="en-US"/>
           </a:p>
@@ -2510,7 +2510,7 @@
           <a:p>
             <a:fld id="{6A4AF5F2-8E9F-4A4C-8B49-450F53D80A52}" type="datetimeFigureOut">
               <a:rPr lang="en-US" smtClean="0"/>
-              <a:t>6/30/2018</a:t>
+              <a:t>7/21/2018</a:t>
             </a:fld>
             <a:endParaRPr lang="en-US"/>
           </a:p>
@@ -2605,7 +2605,7 @@
           <a:p>
             <a:fld id="{6A4AF5F2-8E9F-4A4C-8B49-450F53D80A52}" type="datetimeFigureOut">
               <a:rPr lang="en-US" smtClean="0"/>
-              <a:t>6/30/2018</a:t>
+              <a:t>7/21/2018</a:t>
             </a:fld>
             <a:endParaRPr lang="en-US"/>
           </a:p>
@@ -2882,7 +2882,7 @@
           <a:p>
             <a:fld id="{6A4AF5F2-8E9F-4A4C-8B49-450F53D80A52}" type="datetimeFigureOut">
               <a:rPr lang="en-US" smtClean="0"/>
-              <a:t>6/30/2018</a:t>
+              <a:t>7/21/2018</a:t>
             </a:fld>
             <a:endParaRPr lang="en-US"/>
           </a:p>
@@ -3139,7 +3139,7 @@
           <a:p>
             <a:fld id="{6A4AF5F2-8E9F-4A4C-8B49-450F53D80A52}" type="datetimeFigureOut">
               <a:rPr lang="en-US" smtClean="0"/>
-              <a:t>6/30/2018</a:t>
+              <a:t>7/21/2018</a:t>
             </a:fld>
             <a:endParaRPr lang="en-US"/>
           </a:p>
@@ -3352,7 +3352,7 @@
           <a:p>
             <a:fld id="{6A4AF5F2-8E9F-4A4C-8B49-450F53D80A52}" type="datetimeFigureOut">
               <a:rPr lang="en-US" smtClean="0"/>
-              <a:t>6/30/2018</a:t>
+              <a:t>7/21/2018</a:t>
             </a:fld>
             <a:endParaRPr lang="en-US"/>
           </a:p>
@@ -3821,13 +3821,13 @@
         </p:nvSpPr>
         <p:spPr>
           <a:xfrm>
-            <a:off x="1032234" y="5102129"/>
-            <a:ext cx="7070105" cy="719122"/>
+            <a:off x="410818" y="5102129"/>
+            <a:ext cx="8468140" cy="719122"/>
           </a:xfrm>
         </p:spPr>
         <p:txBody>
           <a:bodyPr vert="horz" lIns="91440" tIns="45720" rIns="91440" bIns="45720" rtlCol="0">
-            <a:normAutofit/>
+            <a:normAutofit fontScale="92500"/>
           </a:bodyPr>
           <a:lstStyle/>
           <a:p>
@@ -3839,7 +3839,7 @@
                 <a:latin typeface="Carlito" panose="020F0502020204030204" pitchFamily="34" charset="0"/>
                 <a:cs typeface="Carlito" panose="020F0502020204030204" pitchFamily="34" charset="0"/>
               </a:rPr>
-              <a:t>Online Storage &amp; Sharing, Redefined</a:t>
+              <a:t>Letting you share &amp; collaborate online, being storage agnostic</a:t>
             </a:r>
             <a:endParaRPr lang="en-US" sz="2800" dirty="0">
               <a:latin typeface="Carlito" panose="020F0502020204030204" pitchFamily="34" charset="0"/>
@@ -3848,16 +3848,66 @@
           </a:p>
         </p:txBody>
       </p:sp>
+      <p:sp>
+        <p:nvSpPr>
+          <p:cNvPr id="3" name="TextBox 2">
+            <a:extLst>
+              <a:ext uri="{FF2B5EF4-FFF2-40B4-BE49-F238E27FC236}">
+                <a16:creationId xmlns:a16="http://schemas.microsoft.com/office/drawing/2014/main" id="{C51F27FD-01B6-4D76-B694-8FC24A6DBD3B}"/>
+              </a:ext>
+            </a:extLst>
+          </p:cNvPr>
+          <p:cNvSpPr txBox="1"/>
+          <p:nvPr/>
+        </p:nvSpPr>
+        <p:spPr>
+          <a:xfrm>
+            <a:off x="2675503" y="2757057"/>
+            <a:ext cx="4387905" cy="1200329"/>
+          </a:xfrm>
+          <a:prstGeom prst="rect">
+            <a:avLst/>
+          </a:prstGeom>
+          <a:noFill/>
+        </p:spPr>
+        <p:txBody>
+          <a:bodyPr wrap="square" rtlCol="0">
+            <a:spAutoFit/>
+          </a:bodyPr>
+          <a:lstStyle/>
+          <a:p>
+            <a:r>
+              <a:rPr lang="en-US" sz="7200" dirty="0">
+                <a:solidFill>
+                  <a:schemeClr val="accent5">
+                    <a:lumMod val="75000"/>
+                  </a:schemeClr>
+                </a:solidFill>
+                <a:latin typeface="Verdana" panose="020B0604030504040204" pitchFamily="34" charset="0"/>
+                <a:ea typeface="Verdana" panose="020B0604030504040204" pitchFamily="34" charset="0"/>
+                <a:cs typeface="Verdana" panose="020B0604030504040204" pitchFamily="34" charset="0"/>
+              </a:rPr>
+              <a:t>CRUMBS</a:t>
+            </a:r>
+          </a:p>
+        </p:txBody>
+      </p:sp>
       <p:pic>
         <p:nvPicPr>
-          <p:cNvPr id="2" name="Picture 1"/>
+          <p:cNvPr id="5" name="Picture 4">
+            <a:extLst>
+              <a:ext uri="{FF2B5EF4-FFF2-40B4-BE49-F238E27FC236}">
+                <a16:creationId xmlns:a16="http://schemas.microsoft.com/office/drawing/2014/main" id="{4B4C4922-31C9-460E-9D0C-EF822A603D5E}"/>
+              </a:ext>
+            </a:extLst>
+          </p:cNvPr>
           <p:cNvPicPr>
             <a:picLocks noChangeAspect="1"/>
           </p:cNvPicPr>
           <p:nvPr/>
         </p:nvPicPr>
         <p:blipFill>
-          <a:blip r:embed="rId2" cstate="print">
+          <a:blip r:embed="rId2">
             <a:extLst>
               <a:ext uri="{28A0092B-C50C-407E-A947-70E740481C1C}">
                 <a14:useLocalDpi xmlns:a14="http://schemas.microsoft.com/office/drawing/2010/main" val="0"/>
@@ -3870,58 +3920,14 @@
         </p:blipFill>
         <p:spPr>
           <a:xfrm>
-            <a:off x="2526013" y="392476"/>
-            <a:ext cx="4082545" cy="2498723"/>
+            <a:off x="3068941" y="405842"/>
+            <a:ext cx="3314737" cy="2308984"/>
           </a:xfrm>
           <a:prstGeom prst="rect">
             <a:avLst/>
           </a:prstGeom>
         </p:spPr>
       </p:pic>
-      <p:sp>
-        <p:nvSpPr>
-          <p:cNvPr id="3" name="TextBox 2">
-            <a:extLst>
-              <a:ext uri="{FF2B5EF4-FFF2-40B4-BE49-F238E27FC236}">
-                <a16:creationId xmlns:a16="http://schemas.microsoft.com/office/drawing/2014/main" id="{C51F27FD-01B6-4D76-B694-8FC24A6DBD3B}"/>
-              </a:ext>
-            </a:extLst>
-          </p:cNvPr>
-          <p:cNvSpPr txBox="1"/>
-          <p:nvPr/>
-        </p:nvSpPr>
-        <p:spPr>
-          <a:xfrm>
-            <a:off x="2675504" y="2757057"/>
-            <a:ext cx="3933054" cy="1200329"/>
-          </a:xfrm>
-          <a:prstGeom prst="rect">
-            <a:avLst/>
-          </a:prstGeom>
-          <a:noFill/>
-        </p:spPr>
-        <p:txBody>
-          <a:bodyPr wrap="square" rtlCol="0">
-            <a:spAutoFit/>
-          </a:bodyPr>
-          <a:lstStyle/>
-          <a:p>
-            <a:r>
-              <a:rPr lang="en-US" sz="7200" dirty="0">
-                <a:solidFill>
-                  <a:schemeClr val="accent5">
-                    <a:lumMod val="75000"/>
-                  </a:schemeClr>
-                </a:solidFill>
-                <a:latin typeface="Verdana" panose="020B0604030504040204" pitchFamily="34" charset="0"/>
-                <a:ea typeface="Verdana" panose="020B0604030504040204" pitchFamily="34" charset="0"/>
-                <a:cs typeface="Verdana" panose="020B0604030504040204" pitchFamily="34" charset="0"/>
-              </a:rPr>
-              <a:t>Crumbs</a:t>
-            </a:r>
-          </a:p>
-        </p:txBody>
-      </p:sp>
     </p:spTree>
     <p:extLst>
       <p:ext uri="{BB962C8B-B14F-4D97-AF65-F5344CB8AC3E}">
@@ -4006,7 +4012,7 @@
         <p:spPr>
           <a:xfrm>
             <a:off x="628649" y="251619"/>
-            <a:ext cx="3685773" cy="786607"/>
+            <a:ext cx="4155385" cy="786607"/>
           </a:xfrm>
         </p:spPr>
         <p:txBody>
@@ -4017,7 +4023,7 @@
           <a:p>
             <a:r>
               <a:rPr lang="en-US" dirty="0"/>
-              <a:t>Features</a:t>
+              <a:t>The U.S.P</a:t>
             </a:r>
           </a:p>
         </p:txBody>
@@ -4047,7 +4053,6 @@
           </a:bodyPr>
           <a:lstStyle/>
           <a:p>
-            <a:pPr algn="just"/>
             <a:r>
               <a:rPr lang="en-US" b="1" dirty="0">
                 <a:solidFill>
@@ -4057,7 +4062,7 @@
                   </a:prstClr>
                 </a:solidFill>
               </a:rPr>
-              <a:t>Redefine sharing</a:t>
+              <a:t>Redefine storage &amp; sharing</a:t>
             </a:r>
             <a:r>
               <a:rPr lang="en-US" dirty="0">
@@ -4068,7 +4073,7 @@
                   </a:prstClr>
                 </a:solidFill>
               </a:rPr>
-              <a:t> - Build a game changing online storage product that’s social, fun and easy without any additional storage overhead.</a:t>
+              <a:t> - Build a game changing online storage product that’s social, fun and easy without any additional storage overhead or requirements.</a:t>
             </a:r>
             <a:endParaRPr lang="en-US" b="1" dirty="0">
               <a:solidFill>
@@ -4089,7 +4094,7 @@
         </p:nvSpPr>
         <p:spPr>
           <a:xfrm>
-            <a:off x="1883664" y="4512712"/>
+            <a:off x="1883664" y="4764500"/>
             <a:ext cx="6101237" cy="923330"/>
           </a:xfrm>
           <a:prstGeom prst="rect">
@@ -4148,8 +4153,8 @@
         </p:nvSpPr>
         <p:spPr>
           <a:xfrm>
-            <a:off x="1883664" y="2823433"/>
-            <a:ext cx="6101237" cy="923330"/>
+            <a:off x="1883664" y="3207741"/>
+            <a:ext cx="6101237" cy="646331"/>
           </a:xfrm>
           <a:prstGeom prst="rect">
             <a:avLst/>
@@ -4175,7 +4180,7 @@
                   </a:prstClr>
                 </a:solidFill>
               </a:rPr>
-              <a:t>Reduce cloud inertia</a:t>
+              <a:t>Reduce inertia</a:t>
             </a:r>
             <a:r>
               <a:rPr lang="en-US" dirty="0">
@@ -4186,7 +4191,7 @@
                   </a:prstClr>
                 </a:solidFill>
               </a:rPr>
-              <a:t> - Put all your stuff up there for ready access without having to worry about data breach by using your existing storage accounts\infrastructure.</a:t>
+              <a:t> - Put all your stuff up there for ready access without having to worry about data breach.</a:t>
             </a:r>
           </a:p>
         </p:txBody>
@@ -4243,7 +4248,7 @@
         </p:blipFill>
         <p:spPr>
           <a:xfrm>
-            <a:off x="662424" y="4606332"/>
+            <a:off x="662424" y="4858120"/>
             <a:ext cx="1147056" cy="554410"/>
           </a:xfrm>
           <a:prstGeom prst="rect">
@@ -4273,7 +4278,7 @@
         </p:blipFill>
         <p:spPr>
           <a:xfrm>
-            <a:off x="686141" y="3076030"/>
+            <a:off x="686141" y="3208550"/>
             <a:ext cx="1194173" cy="671722"/>
           </a:xfrm>
           <a:prstGeom prst="rect">
@@ -4283,10 +4288,10 @@
       </p:pic>
       <p:pic>
         <p:nvPicPr>
-          <p:cNvPr id="10" name="Picture 9">
+          <p:cNvPr id="11" name="Picture 10">
             <a:extLst>
               <a:ext uri="{FF2B5EF4-FFF2-40B4-BE49-F238E27FC236}">
-                <a16:creationId xmlns:a16="http://schemas.microsoft.com/office/drawing/2014/main" id="{A409D02A-E400-458C-B227-95DF54F0A9FB}"/>
+                <a16:creationId xmlns:a16="http://schemas.microsoft.com/office/drawing/2014/main" id="{0C718C62-378E-46D9-9D09-BDB8F44AF937}"/>
               </a:ext>
             </a:extLst>
           </p:cNvPr>
@@ -4296,15 +4301,21 @@
           <p:nvPr/>
         </p:nvPicPr>
         <p:blipFill>
-          <a:blip r:embed="rId5"/>
+          <a:blip r:embed="rId5">
+            <a:extLst>
+              <a:ext uri="{28A0092B-C50C-407E-A947-70E740481C1C}">
+                <a14:useLocalDpi xmlns:a14="http://schemas.microsoft.com/office/drawing/2010/main" val="0"/>
+              </a:ext>
+            </a:extLst>
+          </a:blip>
           <a:stretch>
             <a:fillRect/>
           </a:stretch>
         </p:blipFill>
         <p:spPr>
           <a:xfrm>
-            <a:off x="7659756" y="142277"/>
-            <a:ext cx="1484244" cy="952280"/>
+            <a:off x="7540487" y="53368"/>
+            <a:ext cx="1550505" cy="1080053"/>
           </a:xfrm>
           <a:prstGeom prst="rect">
             <a:avLst/>
@@ -4606,7 +4617,7 @@
                 <a:latin typeface="Carlito" panose="020F0502020204030204" pitchFamily="34" charset="0"/>
                 <a:cs typeface="Carlito" panose="020F0502020204030204" pitchFamily="34" charset="0"/>
               </a:rPr>
-              <a:t>Breaking silos\monopoly</a:t>
+              <a:t>Breaking data monopoly</a:t>
             </a:r>
             <a:endParaRPr lang="en-US" dirty="0">
               <a:ln w="0"/>
@@ -4620,6 +4631,160 @@
           </a:p>
         </p:txBody>
       </p:sp>
+      <p:sp>
+        <p:nvSpPr>
+          <p:cNvPr id="21" name="Rectangle 20"/>
+          <p:cNvSpPr/>
+          <p:nvPr/>
+        </p:nvSpPr>
+        <p:spPr>
+          <a:xfrm>
+            <a:off x="5096077" y="2173515"/>
+            <a:ext cx="3769627" cy="2554545"/>
+          </a:xfrm>
+          <a:prstGeom prst="rect">
+            <a:avLst/>
+          </a:prstGeom>
+        </p:spPr>
+        <p:txBody>
+          <a:bodyPr wrap="square">
+            <a:spAutoFit/>
+          </a:bodyPr>
+          <a:lstStyle/>
+          <a:p>
+            <a:pPr marL="457200" indent="-457200" algn="just">
+              <a:buFont typeface="Wingdings" panose="05000000000000000000" pitchFamily="2" charset="2"/>
+              <a:buChar char="ü"/>
+            </a:pPr>
+            <a:r>
+              <a:rPr lang="en-US" sz="2000" dirty="0">
+                <a:ln w="0"/>
+                <a:solidFill>
+                  <a:schemeClr val="tx1">
+                    <a:lumMod val="50000"/>
+                    <a:lumOff val="50000"/>
+                  </a:schemeClr>
+                </a:solidFill>
+                <a:latin typeface="Carlito" panose="020F0502020204030204" pitchFamily="34" charset="0"/>
+                <a:cs typeface="Carlito" panose="020F0502020204030204" pitchFamily="34" charset="0"/>
+              </a:rPr>
+              <a:t>Users come together to create a repository for sharing files or content.</a:t>
+            </a:r>
+          </a:p>
+          <a:p>
+            <a:pPr marL="457200" indent="-457200" algn="just">
+              <a:buFont typeface="Wingdings" panose="05000000000000000000" pitchFamily="2" charset="2"/>
+              <a:buChar char="ü"/>
+            </a:pPr>
+            <a:r>
+              <a:rPr lang="en-US" sz="2000" dirty="0">
+                <a:ln w="0"/>
+                <a:solidFill>
+                  <a:schemeClr val="tx1">
+                    <a:lumMod val="50000"/>
+                    <a:lumOff val="50000"/>
+                  </a:schemeClr>
+                </a:solidFill>
+                <a:latin typeface="Carlito" panose="020F0502020204030204" pitchFamily="34" charset="0"/>
+                <a:cs typeface="Carlito" panose="020F0502020204030204" pitchFamily="34" charset="0"/>
+              </a:rPr>
+              <a:t>Contributes a percentage of space irrespective of their provider.</a:t>
+            </a:r>
+          </a:p>
+          <a:p>
+            <a:pPr marL="457200" indent="-457200" algn="just">
+              <a:buFont typeface="Wingdings" panose="05000000000000000000" pitchFamily="2" charset="2"/>
+              <a:buChar char="ü"/>
+            </a:pPr>
+            <a:r>
+              <a:rPr lang="en-US" sz="2000" dirty="0">
+                <a:ln w="0"/>
+                <a:solidFill>
+                  <a:schemeClr val="tx1">
+                    <a:lumMod val="50000"/>
+                    <a:lumOff val="50000"/>
+                  </a:schemeClr>
+                </a:solidFill>
+                <a:latin typeface="Carlito" panose="020F0502020204030204" pitchFamily="34" charset="0"/>
+                <a:cs typeface="Carlito" panose="020F0502020204030204" pitchFamily="34" charset="0"/>
+              </a:rPr>
+              <a:t>Easy and independent sharing with no limitations.</a:t>
+            </a:r>
+          </a:p>
+        </p:txBody>
+      </p:sp>
+      <p:pic>
+        <p:nvPicPr>
+          <p:cNvPr id="25" name="Picture 24">
+            <a:extLst>
+              <a:ext uri="{FF2B5EF4-FFF2-40B4-BE49-F238E27FC236}">
+                <a16:creationId xmlns:a16="http://schemas.microsoft.com/office/drawing/2014/main" id="{8969EB57-4EC9-4EA5-A974-A0AFBDADE8DB}"/>
+              </a:ext>
+            </a:extLst>
+          </p:cNvPr>
+          <p:cNvPicPr>
+            <a:picLocks noChangeAspect="1"/>
+          </p:cNvPicPr>
+          <p:nvPr/>
+        </p:nvPicPr>
+        <p:blipFill>
+          <a:blip r:embed="rId4" cstate="print">
+            <a:extLst>
+              <a:ext uri="{28A0092B-C50C-407E-A947-70E740481C1C}">
+                <a14:useLocalDpi xmlns:a14="http://schemas.microsoft.com/office/drawing/2010/main" val="0"/>
+              </a:ext>
+            </a:extLst>
+          </a:blip>
+          <a:stretch>
+            <a:fillRect/>
+          </a:stretch>
+        </p:blipFill>
+        <p:spPr>
+          <a:xfrm>
+            <a:off x="1338825" y="2252565"/>
+            <a:ext cx="742616" cy="454175"/>
+          </a:xfrm>
+          <a:prstGeom prst="rect">
+            <a:avLst/>
+          </a:prstGeom>
+        </p:spPr>
+      </p:pic>
+      <p:pic>
+        <p:nvPicPr>
+          <p:cNvPr id="6" name="Picture 5">
+            <a:extLst>
+              <a:ext uri="{FF2B5EF4-FFF2-40B4-BE49-F238E27FC236}">
+                <a16:creationId xmlns:a16="http://schemas.microsoft.com/office/drawing/2014/main" id="{F1999C1A-1CCB-4F2C-8BCB-B18A4892D7FA}"/>
+              </a:ext>
+            </a:extLst>
+          </p:cNvPr>
+          <p:cNvPicPr>
+            <a:picLocks noChangeAspect="1"/>
+          </p:cNvPicPr>
+          <p:nvPr/>
+        </p:nvPicPr>
+        <p:blipFill>
+          <a:blip r:embed="rId5">
+            <a:extLst>
+              <a:ext uri="{28A0092B-C50C-407E-A947-70E740481C1C}">
+                <a14:useLocalDpi xmlns:a14="http://schemas.microsoft.com/office/drawing/2010/main" val="0"/>
+              </a:ext>
+            </a:extLst>
+          </a:blip>
+          <a:stretch>
+            <a:fillRect/>
+          </a:stretch>
+        </p:blipFill>
+        <p:spPr>
+          <a:xfrm>
+            <a:off x="7663373" y="69799"/>
+            <a:ext cx="1414553" cy="985351"/>
+          </a:xfrm>
+          <a:prstGeom prst="rect">
+            <a:avLst/>
+          </a:prstGeom>
+        </p:spPr>
+      </p:pic>
       <p:grpSp>
         <p:nvGrpSpPr>
           <p:cNvPr id="2" name="Group 1"/>
@@ -4918,7 +5083,7 @@
             <p:nvPr/>
           </p:nvPicPr>
           <p:blipFill>
-            <a:blip r:embed="rId4" cstate="print">
+            <a:blip r:embed="rId6" cstate="print">
               <a:extLst>
                 <a:ext uri="{28A0092B-C50C-407E-A947-70E740481C1C}">
                   <a14:useLocalDpi xmlns:a14="http://schemas.microsoft.com/office/drawing/2010/main" val="0"/>
@@ -4948,7 +5113,7 @@
             <p:nvPr/>
           </p:nvPicPr>
           <p:blipFill>
-            <a:blip r:embed="rId5">
+            <a:blip r:embed="rId7">
               <a:extLst>
                 <a:ext uri="{28A0092B-C50C-407E-A947-70E740481C1C}">
                   <a14:useLocalDpi xmlns:a14="http://schemas.microsoft.com/office/drawing/2010/main" val="0"/>
@@ -4978,7 +5143,7 @@
             <p:nvPr/>
           </p:nvPicPr>
           <p:blipFill>
-            <a:blip r:embed="rId5">
+            <a:blip r:embed="rId7">
               <a:extLst>
                 <a:ext uri="{28A0092B-C50C-407E-A947-70E740481C1C}">
                   <a14:useLocalDpi xmlns:a14="http://schemas.microsoft.com/office/drawing/2010/main" val="0"/>
@@ -5008,7 +5173,7 @@
             <p:nvPr/>
           </p:nvPicPr>
           <p:blipFill>
-            <a:blip r:embed="rId6" cstate="print">
+            <a:blip r:embed="rId8" cstate="print">
               <a:extLst>
                 <a:ext uri="{28A0092B-C50C-407E-A947-70E740481C1C}">
                   <a14:useLocalDpi xmlns:a14="http://schemas.microsoft.com/office/drawing/2010/main" val="0"/>
@@ -5038,7 +5203,7 @@
             <p:nvPr/>
           </p:nvPicPr>
           <p:blipFill>
-            <a:blip r:embed="rId7" cstate="print">
+            <a:blip r:embed="rId9" cstate="print">
               <a:extLst>
                 <a:ext uri="{28A0092B-C50C-407E-A947-70E740481C1C}">
                   <a14:useLocalDpi xmlns:a14="http://schemas.microsoft.com/office/drawing/2010/main" val="0"/>
@@ -5068,7 +5233,7 @@
             <p:nvPr/>
           </p:nvPicPr>
           <p:blipFill>
-            <a:blip r:embed="rId8" cstate="print">
+            <a:blip r:embed="rId10" cstate="print">
               <a:extLst>
                 <a:ext uri="{28A0092B-C50C-407E-A947-70E740481C1C}">
                   <a14:useLocalDpi xmlns:a14="http://schemas.microsoft.com/office/drawing/2010/main" val="0"/>
@@ -5098,7 +5263,7 @@
             <p:nvPr/>
           </p:nvPicPr>
           <p:blipFill>
-            <a:blip r:embed="rId9" cstate="print">
+            <a:blip r:embed="rId11" cstate="print">
               <a:extLst>
                 <a:ext uri="{28A0092B-C50C-407E-A947-70E740481C1C}">
                   <a14:useLocalDpi xmlns:a14="http://schemas.microsoft.com/office/drawing/2010/main" val="0"/>
@@ -5120,94 +5285,12 @@
           </p:spPr>
         </p:pic>
       </p:grpSp>
-      <p:sp>
-        <p:nvSpPr>
-          <p:cNvPr id="21" name="Rectangle 20"/>
-          <p:cNvSpPr/>
-          <p:nvPr/>
-        </p:nvSpPr>
-        <p:spPr>
-          <a:xfrm>
-            <a:off x="5096077" y="2173515"/>
-            <a:ext cx="3584283" cy="1569660"/>
-          </a:xfrm>
-          <a:prstGeom prst="rect">
-            <a:avLst/>
-          </a:prstGeom>
-        </p:spPr>
-        <p:txBody>
-          <a:bodyPr wrap="square">
-            <a:spAutoFit/>
-          </a:bodyPr>
-          <a:lstStyle/>
-          <a:p>
-            <a:pPr marL="457200" indent="-457200" algn="just">
-              <a:buFont typeface="Wingdings" panose="05000000000000000000" pitchFamily="2" charset="2"/>
-              <a:buChar char="ü"/>
-            </a:pPr>
-            <a:r>
-              <a:rPr lang="en-US" sz="1600" dirty="0">
-                <a:ln w="0"/>
-                <a:solidFill>
-                  <a:schemeClr val="tx1">
-                    <a:lumMod val="50000"/>
-                    <a:lumOff val="50000"/>
-                  </a:schemeClr>
-                </a:solidFill>
-                <a:latin typeface="Carlito" panose="020F0502020204030204" pitchFamily="34" charset="0"/>
-                <a:cs typeface="Carlito" panose="020F0502020204030204" pitchFamily="34" charset="0"/>
-              </a:rPr>
-              <a:t>Users come together to create a repository for sharing files\content.</a:t>
-            </a:r>
-          </a:p>
-          <a:p>
-            <a:pPr marL="457200" indent="-457200" algn="just">
-              <a:buFont typeface="Wingdings" panose="05000000000000000000" pitchFamily="2" charset="2"/>
-              <a:buChar char="ü"/>
-            </a:pPr>
-            <a:r>
-              <a:rPr lang="en-US" sz="1600" dirty="0">
-                <a:ln w="0"/>
-                <a:solidFill>
-                  <a:schemeClr val="tx1">
-                    <a:lumMod val="50000"/>
-                    <a:lumOff val="50000"/>
-                  </a:schemeClr>
-                </a:solidFill>
-                <a:latin typeface="Carlito" panose="020F0502020204030204" pitchFamily="34" charset="0"/>
-                <a:cs typeface="Carlito" panose="020F0502020204030204" pitchFamily="34" charset="0"/>
-              </a:rPr>
-              <a:t>Contributes a small percentage of space irrespective of their provider.</a:t>
-            </a:r>
-          </a:p>
-          <a:p>
-            <a:pPr marL="457200" indent="-457200" algn="just">
-              <a:buFont typeface="Wingdings" panose="05000000000000000000" pitchFamily="2" charset="2"/>
-              <a:buChar char="ü"/>
-            </a:pPr>
-            <a:r>
-              <a:rPr lang="en-US" sz="1600" dirty="0">
-                <a:ln w="0"/>
-                <a:solidFill>
-                  <a:schemeClr val="tx1">
-                    <a:lumMod val="50000"/>
-                    <a:lumOff val="50000"/>
-                  </a:schemeClr>
-                </a:solidFill>
-                <a:latin typeface="Carlito" panose="020F0502020204030204" pitchFamily="34" charset="0"/>
-                <a:cs typeface="Carlito" panose="020F0502020204030204" pitchFamily="34" charset="0"/>
-              </a:rPr>
-              <a:t>Easy and independent sharing with no limitations.</a:t>
-            </a:r>
-          </a:p>
-        </p:txBody>
-      </p:sp>
       <p:pic>
         <p:nvPicPr>
-          <p:cNvPr id="23" name="Picture 22">
+          <p:cNvPr id="35" name="Picture 34">
             <a:extLst>
               <a:ext uri="{FF2B5EF4-FFF2-40B4-BE49-F238E27FC236}">
-                <a16:creationId xmlns:a16="http://schemas.microsoft.com/office/drawing/2014/main" id="{49595718-A8A7-4D11-8A83-D245D84CE20B}"/>
+                <a16:creationId xmlns:a16="http://schemas.microsoft.com/office/drawing/2014/main" id="{A65153FD-3EC8-440E-A17D-7016D34B2889}"/>
               </a:ext>
             </a:extLst>
           </p:cNvPr>
@@ -5217,7 +5300,7 @@
           <p:nvPr/>
         </p:nvPicPr>
         <p:blipFill>
-          <a:blip r:embed="rId10" cstate="print">
+          <a:blip r:embed="rId5">
             <a:extLst>
               <a:ext uri="{28A0092B-C50C-407E-A947-70E740481C1C}">
                 <a14:useLocalDpi xmlns:a14="http://schemas.microsoft.com/office/drawing/2010/main" val="0"/>
@@ -5230,8 +5313,8 @@
         </p:blipFill>
         <p:spPr>
           <a:xfrm>
-            <a:off x="1378937" y="4483523"/>
-            <a:ext cx="651588" cy="651588"/>
+            <a:off x="2210314" y="1813681"/>
+            <a:ext cx="1251122" cy="871508"/>
           </a:xfrm>
           <a:prstGeom prst="rect">
             <a:avLst/>
@@ -5240,10 +5323,10 @@
       </p:pic>
       <p:pic>
         <p:nvPicPr>
-          <p:cNvPr id="24" name="Picture 23">
+          <p:cNvPr id="34" name="Picture 33">
             <a:extLst>
               <a:ext uri="{FF2B5EF4-FFF2-40B4-BE49-F238E27FC236}">
-                <a16:creationId xmlns:a16="http://schemas.microsoft.com/office/drawing/2014/main" id="{2E976654-F2A2-4784-896E-C948C4D5503B}"/>
+                <a16:creationId xmlns:a16="http://schemas.microsoft.com/office/drawing/2014/main" id="{A48FD4E6-518F-4F7D-86B7-9473636F0772}"/>
               </a:ext>
             </a:extLst>
           </p:cNvPr>
@@ -5253,7 +5336,7 @@
           <p:nvPr/>
         </p:nvPicPr>
         <p:blipFill>
-          <a:blip r:embed="rId11" cstate="print">
+          <a:blip r:embed="rId4" cstate="print">
             <a:extLst>
               <a:ext uri="{28A0092B-C50C-407E-A947-70E740481C1C}">
                 <a14:useLocalDpi xmlns:a14="http://schemas.microsoft.com/office/drawing/2010/main" val="0"/>
@@ -5266,8 +5349,8 @@
         </p:blipFill>
         <p:spPr>
           <a:xfrm>
-            <a:off x="4281334" y="2115934"/>
-            <a:ext cx="660291" cy="660291"/>
+            <a:off x="4319769" y="4424380"/>
+            <a:ext cx="742616" cy="454175"/>
           </a:xfrm>
           <a:prstGeom prst="rect">
             <a:avLst/>
@@ -5276,10 +5359,10 @@
       </p:pic>
       <p:pic>
         <p:nvPicPr>
-          <p:cNvPr id="25" name="Picture 24">
+          <p:cNvPr id="24" name="Picture 23">
             <a:extLst>
               <a:ext uri="{FF2B5EF4-FFF2-40B4-BE49-F238E27FC236}">
-                <a16:creationId xmlns:a16="http://schemas.microsoft.com/office/drawing/2014/main" id="{8969EB57-4EC9-4EA5-A974-A0AFBDADE8DB}"/>
+                <a16:creationId xmlns:a16="http://schemas.microsoft.com/office/drawing/2014/main" id="{2E976654-F2A2-4784-896E-C948C4D5503B}"/>
               </a:ext>
             </a:extLst>
           </p:cNvPr>
@@ -5302,8 +5385,8 @@
         </p:blipFill>
         <p:spPr>
           <a:xfrm>
-            <a:off x="1338825" y="2252565"/>
-            <a:ext cx="742616" cy="454175"/>
+            <a:off x="4281334" y="2115934"/>
+            <a:ext cx="660291" cy="660291"/>
           </a:xfrm>
           <a:prstGeom prst="rect">
             <a:avLst/>
@@ -5312,10 +5395,10 @@
       </p:pic>
       <p:pic>
         <p:nvPicPr>
-          <p:cNvPr id="33" name="Picture 32">
+          <p:cNvPr id="23" name="Picture 22">
             <a:extLst>
               <a:ext uri="{FF2B5EF4-FFF2-40B4-BE49-F238E27FC236}">
-                <a16:creationId xmlns:a16="http://schemas.microsoft.com/office/drawing/2014/main" id="{50BF672B-A2A4-456A-89FC-DC7738A681DD}"/>
+                <a16:creationId xmlns:a16="http://schemas.microsoft.com/office/drawing/2014/main" id="{49595718-A8A7-4D11-8A83-D245D84CE20B}"/>
               </a:ext>
             </a:extLst>
           </p:cNvPr>
@@ -5325,37 +5408,7 @@
           <p:nvPr/>
         </p:nvPicPr>
         <p:blipFill>
-          <a:blip r:embed="rId13"/>
-          <a:stretch>
-            <a:fillRect/>
-          </a:stretch>
-        </p:blipFill>
-        <p:spPr>
-          <a:xfrm>
-            <a:off x="7659756" y="168782"/>
-            <a:ext cx="1484244" cy="952280"/>
-          </a:xfrm>
-          <a:prstGeom prst="rect">
-            <a:avLst/>
-          </a:prstGeom>
-        </p:spPr>
-      </p:pic>
-      <p:pic>
-        <p:nvPicPr>
-          <p:cNvPr id="34" name="Picture 33">
-            <a:extLst>
-              <a:ext uri="{FF2B5EF4-FFF2-40B4-BE49-F238E27FC236}">
-                <a16:creationId xmlns:a16="http://schemas.microsoft.com/office/drawing/2014/main" id="{A48FD4E6-518F-4F7D-86B7-9473636F0772}"/>
-              </a:ext>
-            </a:extLst>
-          </p:cNvPr>
-          <p:cNvPicPr>
-            <a:picLocks noChangeAspect="1"/>
-          </p:cNvPicPr>
-          <p:nvPr/>
-        </p:nvPicPr>
-        <p:blipFill>
-          <a:blip r:embed="rId12" cstate="print">
+          <a:blip r:embed="rId13" cstate="print">
             <a:extLst>
               <a:ext uri="{28A0092B-C50C-407E-A947-70E740481C1C}">
                 <a14:useLocalDpi xmlns:a14="http://schemas.microsoft.com/office/drawing/2010/main" val="0"/>
@@ -5368,8 +5421,44 @@
         </p:blipFill>
         <p:spPr>
           <a:xfrm>
-            <a:off x="4319769" y="4424380"/>
-            <a:ext cx="742616" cy="454175"/>
+            <a:off x="1378937" y="4483523"/>
+            <a:ext cx="651588" cy="651588"/>
+          </a:xfrm>
+          <a:prstGeom prst="rect">
+            <a:avLst/>
+          </a:prstGeom>
+        </p:spPr>
+      </p:pic>
+      <p:pic>
+        <p:nvPicPr>
+          <p:cNvPr id="36" name="Picture 35">
+            <a:extLst>
+              <a:ext uri="{FF2B5EF4-FFF2-40B4-BE49-F238E27FC236}">
+                <a16:creationId xmlns:a16="http://schemas.microsoft.com/office/drawing/2014/main" id="{4AFC36E8-6674-4647-A923-D2CF6F971FE4}"/>
+              </a:ext>
+            </a:extLst>
+          </p:cNvPr>
+          <p:cNvPicPr>
+            <a:picLocks noChangeAspect="1"/>
+          </p:cNvPicPr>
+          <p:nvPr/>
+        </p:nvPicPr>
+        <p:blipFill>
+          <a:blip r:embed="rId13" cstate="print">
+            <a:extLst>
+              <a:ext uri="{28A0092B-C50C-407E-A947-70E740481C1C}">
+                <a14:useLocalDpi xmlns:a14="http://schemas.microsoft.com/office/drawing/2010/main" val="0"/>
+              </a:ext>
+            </a:extLst>
+          </a:blip>
+          <a:stretch>
+            <a:fillRect/>
+          </a:stretch>
+        </p:blipFill>
+        <p:spPr>
+          <a:xfrm>
+            <a:off x="1332557" y="2144515"/>
+            <a:ext cx="651588" cy="651588"/>
           </a:xfrm>
           <a:prstGeom prst="rect">
             <a:avLst/>
@@ -5442,7 +5531,7 @@
         </p:nvSpPr>
         <p:spPr>
           <a:xfrm>
-            <a:off x="1300768" y="1210614"/>
+            <a:off x="1300768" y="2933398"/>
             <a:ext cx="6800043" cy="1200329"/>
           </a:xfrm>
           <a:prstGeom prst="rect">
@@ -5542,10 +5631,10 @@
       </p:sp>
       <p:pic>
         <p:nvPicPr>
-          <p:cNvPr id="5" name="Picture 4">
+          <p:cNvPr id="6" name="Picture 5">
             <a:extLst>
               <a:ext uri="{FF2B5EF4-FFF2-40B4-BE49-F238E27FC236}">
-                <a16:creationId xmlns:a16="http://schemas.microsoft.com/office/drawing/2014/main" id="{8BFEED1C-F3B7-45E0-B70C-778A7214A561}"/>
+                <a16:creationId xmlns:a16="http://schemas.microsoft.com/office/drawing/2014/main" id="{F7A301E9-AFC7-46E0-B4C2-2BCF7FF30A3B}"/>
               </a:ext>
             </a:extLst>
           </p:cNvPr>
@@ -5555,45 +5644,21 @@
           <p:nvPr/>
         </p:nvPicPr>
         <p:blipFill>
-          <a:blip r:embed="rId2"/>
+          <a:blip r:embed="rId2">
+            <a:extLst>
+              <a:ext uri="{28A0092B-C50C-407E-A947-70E740481C1C}">
+                <a14:useLocalDpi xmlns:a14="http://schemas.microsoft.com/office/drawing/2010/main" val="0"/>
+              </a:ext>
+            </a:extLst>
+          </a:blip>
           <a:stretch>
             <a:fillRect/>
           </a:stretch>
         </p:blipFill>
         <p:spPr>
           <a:xfrm>
-            <a:off x="3624464" y="3281776"/>
-            <a:ext cx="2152650" cy="1381125"/>
-          </a:xfrm>
-          <a:prstGeom prst="rect">
-            <a:avLst/>
-          </a:prstGeom>
-        </p:spPr>
-      </p:pic>
-      <p:pic>
-        <p:nvPicPr>
-          <p:cNvPr id="7" name="Picture 6">
-            <a:extLst>
-              <a:ext uri="{FF2B5EF4-FFF2-40B4-BE49-F238E27FC236}">
-                <a16:creationId xmlns:a16="http://schemas.microsoft.com/office/drawing/2014/main" id="{CC7CD454-EBD8-432E-ADCA-D490A927D2FD}"/>
-              </a:ext>
-            </a:extLst>
-          </p:cNvPr>
-          <p:cNvPicPr>
-            <a:picLocks noChangeAspect="1"/>
-          </p:cNvPicPr>
-          <p:nvPr/>
-        </p:nvPicPr>
-        <p:blipFill>
-          <a:blip r:embed="rId2"/>
-          <a:stretch>
-            <a:fillRect/>
-          </a:stretch>
-        </p:blipFill>
-        <p:spPr>
-          <a:xfrm>
-            <a:off x="7659756" y="129026"/>
-            <a:ext cx="1484244" cy="952280"/>
+            <a:off x="7206470" y="69306"/>
+            <a:ext cx="1841690" cy="1282887"/>
           </a:xfrm>
           <a:prstGeom prst="rect">
             <a:avLst/>
